--- a/none-technical-presentation/Brian_Chatbot_Presentation.pptx
+++ b/none-technical-presentation/Brian_Chatbot_Presentation.pptx
@@ -5,13 +5,14 @@
     <p:sldMasterId id="2147483648" r:id="rId1"/>
   </p:sldMasterIdLst>
   <p:sldIdLst>
-    <p:sldId id="256" r:id="rId2"/>
+    <p:sldId id="263" r:id="rId2"/>
     <p:sldId id="257" r:id="rId3"/>
-    <p:sldId id="258" r:id="rId4"/>
-    <p:sldId id="259" r:id="rId5"/>
-    <p:sldId id="260" r:id="rId6"/>
-    <p:sldId id="261" r:id="rId7"/>
-    <p:sldId id="262" r:id="rId8"/>
+    <p:sldId id="264" r:id="rId4"/>
+    <p:sldId id="258" r:id="rId5"/>
+    <p:sldId id="259" r:id="rId6"/>
+    <p:sldId id="260" r:id="rId7"/>
+    <p:sldId id="261" r:id="rId8"/>
+    <p:sldId id="262" r:id="rId9"/>
   </p:sldIdLst>
   <p:sldSz cx="9144000" cy="6858000" type="screen4x3"/>
   <p:notesSz cx="6858000" cy="9144000"/>
@@ -3098,7 +3099,13 @@
       </p:grpSpPr>
       <p:sp>
         <p:nvSpPr>
-          <p:cNvPr id="2" name="Title 1"/>
+          <p:cNvPr id="2" name="Title 1">
+            <a:extLst>
+              <a:ext uri="{FF2B5EF4-FFF2-40B4-BE49-F238E27FC236}">
+                <a16:creationId xmlns:a16="http://schemas.microsoft.com/office/drawing/2014/main" id="{74C68B09-AAF0-4582-5141-2795EB801121}"/>
+              </a:ext>
+            </a:extLst>
+          </p:cNvPr>
           <p:cNvSpPr>
             <a:spLocks noGrp="1"/>
           </p:cNvSpPr>
@@ -3108,18 +3115,36 @@
         </p:nvSpPr>
         <p:spPr/>
         <p:txBody>
-          <a:bodyPr/>
-          <a:lstStyle/>
-          <a:p>
-            <a:r>
-              <a:t>Conversational Customer Service Chatbot</a:t>
-            </a:r>
-          </a:p>
-        </p:txBody>
-      </p:sp>
-      <p:sp>
-        <p:nvSpPr>
-          <p:cNvPr id="3" name="Content Placeholder 2"/>
+          <a:bodyPr>
+            <a:normAutofit fontScale="90000"/>
+          </a:bodyPr>
+          <a:lstStyle/>
+          <a:p>
+            <a:r>
+              <a:rPr lang="en-GB" b="1"/>
+              <a:t>Multi-lingual </a:t>
+            </a:r>
+            <a:r>
+              <a:rPr lang="en-GB" b="1" dirty="0"/>
+              <a:t>Chatbot for e-commerce start up venturing in </a:t>
+            </a:r>
+            <a:r>
+              <a:rPr lang="en-GB" b="1"/>
+              <a:t>the Kenyan Market</a:t>
+            </a:r>
+            <a:endParaRPr lang="LID4096" b="1" dirty="0"/>
+          </a:p>
+        </p:txBody>
+      </p:sp>
+      <p:sp>
+        <p:nvSpPr>
+          <p:cNvPr id="3" name="Content Placeholder 2">
+            <a:extLst>
+              <a:ext uri="{FF2B5EF4-FFF2-40B4-BE49-F238E27FC236}">
+                <a16:creationId xmlns:a16="http://schemas.microsoft.com/office/drawing/2014/main" id="{60497E46-2631-7BD1-ACFE-A292DA281E13}"/>
+              </a:ext>
+            </a:extLst>
+          </p:cNvPr>
           <p:cNvSpPr>
             <a:spLocks noGrp="1"/>
           </p:cNvSpPr>
@@ -3129,41 +3154,101 @@
         </p:nvSpPr>
         <p:spPr/>
         <p:txBody>
-          <a:bodyPr/>
-          <a:lstStyle/>
-          <a:p>
-            <a:r>
-              <a:t>A Data Science Approach to Automating Customer Support</a:t>
-            </a:r>
-          </a:p>
-          <a:p>
-            <a:r>
-              <a:t>Team Members:</a:t>
-            </a:r>
-          </a:p>
-          <a:p>
-            <a:r>
-              <a:t>• Brian Waweru</a:t>
-            </a:r>
-          </a:p>
-          <a:p>
-            <a:r>
-              <a:t>• Hellen Mwaniki</a:t>
-            </a:r>
-          </a:p>
-          <a:p>
-            <a:r>
-              <a:t>• Jessica Mutsyi</a:t>
-            </a:r>
-          </a:p>
-          <a:p>
-            <a:r>
-              <a:t>• Pamela Godia</a:t>
+          <a:bodyPr>
+            <a:normAutofit/>
+          </a:bodyPr>
+          <a:lstStyle/>
+          <a:p>
+            <a:pPr marL="0" indent="0">
+              <a:buNone/>
+            </a:pPr>
+            <a:r>
+              <a:rPr lang="en-US" b="1" dirty="0"/>
+              <a:t>Subtitle</a:t>
+            </a:r>
+            <a:r>
+              <a:rPr lang="en-US" dirty="0"/>
+              <a:t>: Automating customer interactions through a machine learning-powered chatbot</a:t>
+            </a:r>
+          </a:p>
+          <a:p>
+            <a:pPr marL="0" indent="0">
+              <a:buNone/>
+            </a:pPr>
+            <a:r>
+              <a:rPr lang="en-US" dirty="0"/>
+              <a:t>Group Members: </a:t>
+            </a:r>
+          </a:p>
+          <a:p>
+            <a:pPr lvl="2">
+              <a:buFont typeface="Wingdings" panose="05000000000000000000" pitchFamily="2" charset="2"/>
+              <a:buChar char="Ø"/>
+            </a:pPr>
+            <a:r>
+              <a:rPr lang="en-US" dirty="0"/>
+              <a:t>Brian Waweru, </a:t>
+            </a:r>
+          </a:p>
+          <a:p>
+            <a:pPr lvl="2">
+              <a:buFont typeface="Wingdings" panose="05000000000000000000" pitchFamily="2" charset="2"/>
+              <a:buChar char="Ø"/>
+            </a:pPr>
+            <a:r>
+              <a:rPr lang="en-US" dirty="0"/>
+              <a:t>Hellen Mwaniki, </a:t>
+            </a:r>
+          </a:p>
+          <a:p>
+            <a:pPr lvl="2">
+              <a:buFont typeface="Wingdings" panose="05000000000000000000" pitchFamily="2" charset="2"/>
+              <a:buChar char="Ø"/>
+            </a:pPr>
+            <a:r>
+              <a:rPr lang="en-US" dirty="0"/>
+              <a:t>Jessica </a:t>
+            </a:r>
+            <a:r>
+              <a:rPr lang="en-US" dirty="0" err="1"/>
+              <a:t>Mutsyi</a:t>
+            </a:r>
+            <a:r>
+              <a:rPr lang="en-US" dirty="0"/>
+              <a:t>, </a:t>
+            </a:r>
+          </a:p>
+          <a:p>
+            <a:pPr lvl="2">
+              <a:buFont typeface="Wingdings" panose="05000000000000000000" pitchFamily="2" charset="2"/>
+              <a:buChar char="Ø"/>
+            </a:pPr>
+            <a:r>
+              <a:rPr lang="en-US" dirty="0"/>
+              <a:t>Pamela Godia</a:t>
+            </a:r>
+          </a:p>
+          <a:p>
+            <a:pPr marL="0" indent="0">
+              <a:buNone/>
+            </a:pPr>
+            <a:r>
+              <a:rPr lang="en-US" b="1" dirty="0"/>
+              <a:t>Course</a:t>
+            </a:r>
+            <a:r>
+              <a:rPr lang="en-US" dirty="0"/>
+              <a:t>: Data Science Capstone – August 2025</a:t>
             </a:r>
           </a:p>
         </p:txBody>
       </p:sp>
     </p:spTree>
+    <p:extLst>
+      <p:ext uri="{BB962C8B-B14F-4D97-AF65-F5344CB8AC3E}">
+        <p14:creationId xmlns:p14="http://schemas.microsoft.com/office/powerpoint/2010/main" val="922274944"/>
+      </p:ext>
+    </p:extLst>
   </p:cSld>
   <p:clrMapOvr>
     <a:masterClrMapping/>
@@ -3200,7 +3285,9 @@
         </p:nvSpPr>
         <p:spPr/>
         <p:txBody>
-          <a:bodyPr/>
+          <a:bodyPr>
+            <a:normAutofit fontScale="90000"/>
+          </a:bodyPr>
           <a:lstStyle/>
           <a:p>
             <a:r>
@@ -3267,7 +3354,13 @@
       </p:grpSpPr>
       <p:sp>
         <p:nvSpPr>
-          <p:cNvPr id="2" name="Title 1"/>
+          <p:cNvPr id="2" name="Title 1">
+            <a:extLst>
+              <a:ext uri="{FF2B5EF4-FFF2-40B4-BE49-F238E27FC236}">
+                <a16:creationId xmlns:a16="http://schemas.microsoft.com/office/drawing/2014/main" id="{2778BB4E-89E4-BA68-F721-4C0E7308BF3D}"/>
+              </a:ext>
+            </a:extLst>
+          </p:cNvPr>
           <p:cNvSpPr>
             <a:spLocks noGrp="1"/>
           </p:cNvSpPr>
@@ -3275,64 +3368,265 @@
             <p:ph type="title"/>
           </p:nvPr>
         </p:nvSpPr>
-        <p:spPr/>
-        <p:txBody>
-          <a:bodyPr/>
-          <a:lstStyle/>
-          <a:p>
-            <a:r>
-              <a:t>Data Pipeline: From Raw Text to Structured Input</a:t>
-            </a:r>
-          </a:p>
-        </p:txBody>
-      </p:sp>
-      <p:sp>
-        <p:nvSpPr>
-          <p:cNvPr id="3" name="Content Placeholder 2"/>
-          <p:cNvSpPr>
-            <a:spLocks noGrp="1"/>
+        <p:spPr>
+          <a:xfrm>
+            <a:off x="457200" y="479589"/>
+            <a:ext cx="8229600" cy="2310907"/>
+          </a:xfrm>
+        </p:spPr>
+        <p:txBody>
+          <a:bodyPr>
+            <a:noAutofit/>
+          </a:bodyPr>
+          <a:lstStyle/>
+          <a:p>
+            <a:r>
+              <a:rPr lang="LID4096" altLang="LID4096" sz="3600" b="1" dirty="0">
+                <a:solidFill>
+                  <a:srgbClr val="000000"/>
+                </a:solidFill>
+                <a:latin typeface="Google Sans Text"/>
+              </a:rPr>
+              <a:t>Many businesses struggle with providing 24/7 customer service due to limited staff availability and high costs.</a:t>
+            </a:r>
+            <a:endParaRPr lang="LID4096" sz="3600" b="1" dirty="0"/>
+          </a:p>
+        </p:txBody>
+      </p:sp>
+      <p:sp>
+        <p:nvSpPr>
+          <p:cNvPr id="4" name="Rectangle 1">
+            <a:extLst>
+              <a:ext uri="{FF2B5EF4-FFF2-40B4-BE49-F238E27FC236}">
+                <a16:creationId xmlns:a16="http://schemas.microsoft.com/office/drawing/2014/main" id="{212234C8-EA4A-4C9C-9E6E-04571C325653}"/>
+              </a:ext>
+            </a:extLst>
+          </p:cNvPr>
+          <p:cNvSpPr>
+            <a:spLocks noGrp="1" noChangeArrowheads="1"/>
           </p:cNvSpPr>
           <p:nvPr>
             <p:ph idx="1"/>
           </p:nvPr>
         </p:nvSpPr>
-        <p:spPr/>
-        <p:txBody>
-          <a:bodyPr/>
-          <a:lstStyle/>
-          <a:p>
-            <a:r>
-              <a:t>• Source: Cornell Movie Dialogs Corpus</a:t>
-            </a:r>
-          </a:p>
-          <a:p>
-            <a:r>
-              <a:t>• Steps:</a:t>
-            </a:r>
-          </a:p>
-          <a:p>
-            <a:r>
-              <a:t>  - Data extraction and parsing (dialogs, character mappings)</a:t>
-            </a:r>
-          </a:p>
-          <a:p>
-            <a:r>
-              <a:t>  - Cleaning (removing noise, normalizing text)</a:t>
-            </a:r>
-          </a:p>
-          <a:p>
-            <a:r>
-              <a:t>  - Tokenization and formatting into input/output pairs</a:t>
-            </a:r>
-          </a:p>
-          <a:p>
-            <a:r>
-              <a:t>• Tools: Python, pandas, regex</a:t>
-            </a:r>
+        <p:spPr bwMode="auto">
+          <a:xfrm>
+            <a:off x="457200" y="2955245"/>
+            <a:ext cx="8950592" cy="1815882"/>
+          </a:xfrm>
+          <a:prstGeom prst="rect">
+            <a:avLst/>
+          </a:prstGeom>
+          <a:noFill/>
+          <a:ln>
+            <a:noFill/>
+          </a:ln>
+          <a:effectLst/>
+          <a:extLst>
+            <a:ext uri="{909E8E84-426E-40DD-AFC4-6F175D3DCCD1}">
+              <a14:hiddenFill xmlns:a14="http://schemas.microsoft.com/office/drawing/2010/main">
+                <a:solidFill>
+                  <a:schemeClr val="accent1"/>
+                </a:solidFill>
+              </a14:hiddenFill>
+            </a:ext>
+            <a:ext uri="{91240B29-F687-4F45-9708-019B960494DF}">
+              <a14:hiddenLine xmlns:a14="http://schemas.microsoft.com/office/drawing/2010/main" w="9525">
+                <a:solidFill>
+                  <a:schemeClr val="tx1"/>
+                </a:solidFill>
+                <a:miter lim="800000"/>
+                <a:headEnd/>
+                <a:tailEnd/>
+              </a14:hiddenLine>
+            </a:ext>
+            <a:ext uri="{AF507438-7753-43E0-B8FC-AC1667EBCBE1}">
+              <a14:hiddenEffects xmlns:a14="http://schemas.microsoft.com/office/drawing/2010/main">
+                <a:effectLst>
+                  <a:outerShdw dist="35921" dir="2700000" algn="ctr" rotWithShape="0">
+                    <a:schemeClr val="bg2"/>
+                  </a:outerShdw>
+                </a:effectLst>
+              </a14:hiddenEffects>
+            </a:ext>
+          </a:extLst>
+        </p:spPr>
+        <p:txBody>
+          <a:bodyPr vert="horz" wrap="none" lIns="91440" tIns="45720" rIns="91440" bIns="45720" numCol="1" anchor="ctr" anchorCtr="0" compatLnSpc="1">
+            <a:prstTxWarp prst="textNoShape">
+              <a:avLst/>
+            </a:prstTxWarp>
+            <a:spAutoFit/>
+          </a:bodyPr>
+          <a:lstStyle/>
+          <a:p>
+            <a:pPr marL="0" marR="0" lvl="0" indent="0" algn="l" defTabSz="914400" rtl="0" eaLnBrk="0" fontAlgn="base" latinLnBrk="0" hangingPunct="0">
+              <a:lnSpc>
+                <a:spcPct val="100000"/>
+              </a:lnSpc>
+              <a:spcBef>
+                <a:spcPct val="0"/>
+              </a:spcBef>
+              <a:spcAft>
+                <a:spcPct val="0"/>
+              </a:spcAft>
+              <a:buClrTx/>
+              <a:buSzTx/>
+              <a:buFontTx/>
+              <a:buNone/>
+              <a:tabLst/>
+            </a:pPr>
+            <a:r>
+              <a:rPr kumimoji="0" lang="LID4096" altLang="LID4096" sz="2800" b="0" i="0" u="none" strike="noStrike" cap="none" normalizeH="0" baseline="0" dirty="0">
+                <a:ln>
+                  <a:noFill/>
+                </a:ln>
+                <a:solidFill>
+                  <a:srgbClr val="000000"/>
+                </a:solidFill>
+                <a:effectLst/>
+                <a:latin typeface="Google Sans Text"/>
+              </a:rPr>
+              <a:t>Objectives:</a:t>
+            </a:r>
+            <a:endParaRPr kumimoji="0" lang="LID4096" altLang="LID4096" sz="1600" b="0" i="0" u="none" strike="noStrike" cap="none" normalizeH="0" baseline="0" dirty="0">
+              <a:ln>
+                <a:noFill/>
+              </a:ln>
+              <a:solidFill>
+                <a:schemeClr val="tx1"/>
+              </a:solidFill>
+              <a:effectLst/>
+            </a:endParaRPr>
+          </a:p>
+          <a:p>
+            <a:pPr marR="0" lvl="0" algn="l" defTabSz="914400" rtl="0" eaLnBrk="0" fontAlgn="base" latinLnBrk="0" hangingPunct="0">
+              <a:lnSpc>
+                <a:spcPct val="100000"/>
+              </a:lnSpc>
+              <a:spcBef>
+                <a:spcPct val="0"/>
+              </a:spcBef>
+              <a:spcAft>
+                <a:spcPct val="0"/>
+              </a:spcAft>
+              <a:buClrTx/>
+              <a:buSzTx/>
+              <a:buFont typeface="Wingdings" panose="05000000000000000000" pitchFamily="2" charset="2"/>
+              <a:buChar char="Ø"/>
+              <a:tabLst/>
+            </a:pPr>
+            <a:r>
+              <a:rPr kumimoji="0" lang="LID4096" altLang="LID4096" sz="2800" b="0" i="0" u="none" strike="noStrike" cap="none" normalizeH="0" baseline="0" dirty="0">
+                <a:ln>
+                  <a:noFill/>
+                </a:ln>
+                <a:solidFill>
+                  <a:srgbClr val="000000"/>
+                </a:solidFill>
+                <a:effectLst/>
+                <a:latin typeface="Google Sans Text"/>
+              </a:rPr>
+              <a:t>Create a conversational AI for handling customer inquiries</a:t>
+            </a:r>
+            <a:endParaRPr kumimoji="0" lang="LID4096" altLang="LID4096" sz="1600" b="0" i="0" u="none" strike="noStrike" cap="none" normalizeH="0" baseline="0" dirty="0">
+              <a:ln>
+                <a:noFill/>
+              </a:ln>
+              <a:solidFill>
+                <a:schemeClr val="tx1"/>
+              </a:solidFill>
+              <a:effectLst/>
+            </a:endParaRPr>
+          </a:p>
+          <a:p>
+            <a:pPr marR="0" lvl="0" algn="l" defTabSz="914400" rtl="0" eaLnBrk="0" fontAlgn="base" latinLnBrk="0" hangingPunct="0">
+              <a:lnSpc>
+                <a:spcPct val="100000"/>
+              </a:lnSpc>
+              <a:spcBef>
+                <a:spcPct val="0"/>
+              </a:spcBef>
+              <a:spcAft>
+                <a:spcPct val="0"/>
+              </a:spcAft>
+              <a:buClrTx/>
+              <a:buSzTx/>
+              <a:buFont typeface="Wingdings" panose="05000000000000000000" pitchFamily="2" charset="2"/>
+              <a:buChar char="Ø"/>
+              <a:tabLst/>
+            </a:pPr>
+            <a:r>
+              <a:rPr kumimoji="0" lang="LID4096" altLang="LID4096" sz="2800" b="0" i="0" u="none" strike="noStrike" cap="none" normalizeH="0" baseline="0" dirty="0">
+                <a:ln>
+                  <a:noFill/>
+                </a:ln>
+                <a:solidFill>
+                  <a:srgbClr val="000000"/>
+                </a:solidFill>
+                <a:effectLst/>
+                <a:latin typeface="Google Sans Text"/>
+              </a:rPr>
+              <a:t>Train a model on real-world chat data</a:t>
+            </a:r>
+            <a:endParaRPr kumimoji="0" lang="LID4096" altLang="LID4096" sz="1600" b="0" i="0" u="none" strike="noStrike" cap="none" normalizeH="0" baseline="0" dirty="0">
+              <a:ln>
+                <a:noFill/>
+              </a:ln>
+              <a:solidFill>
+                <a:schemeClr val="tx1"/>
+              </a:solidFill>
+              <a:effectLst/>
+            </a:endParaRPr>
+          </a:p>
+          <a:p>
+            <a:pPr marR="0" lvl="0" algn="l" defTabSz="914400" rtl="0" eaLnBrk="0" fontAlgn="base" latinLnBrk="0" hangingPunct="0">
+              <a:lnSpc>
+                <a:spcPct val="100000"/>
+              </a:lnSpc>
+              <a:spcBef>
+                <a:spcPct val="0"/>
+              </a:spcBef>
+              <a:spcAft>
+                <a:spcPct val="0"/>
+              </a:spcAft>
+              <a:buClrTx/>
+              <a:buSzTx/>
+              <a:buFont typeface="Wingdings" panose="05000000000000000000" pitchFamily="2" charset="2"/>
+              <a:buChar char="Ø"/>
+              <a:tabLst/>
+            </a:pPr>
+            <a:r>
+              <a:rPr kumimoji="0" lang="LID4096" altLang="LID4096" sz="2800" b="0" i="0" u="none" strike="noStrike" cap="none" normalizeH="0" baseline="0" dirty="0">
+                <a:ln>
+                  <a:noFill/>
+                </a:ln>
+                <a:solidFill>
+                  <a:srgbClr val="000000"/>
+                </a:solidFill>
+                <a:effectLst/>
+                <a:latin typeface="Google Sans Text"/>
+              </a:rPr>
+              <a:t>Deploy the chatbot using Streamlit for accessibility</a:t>
+            </a:r>
+            <a:endParaRPr kumimoji="0" lang="LID4096" altLang="LID4096" sz="1600" b="0" i="0" u="none" strike="noStrike" cap="none" normalizeH="0" baseline="0" dirty="0">
+              <a:ln>
+                <a:noFill/>
+              </a:ln>
+              <a:solidFill>
+                <a:schemeClr val="tx1"/>
+              </a:solidFill>
+              <a:effectLst/>
+            </a:endParaRPr>
           </a:p>
         </p:txBody>
       </p:sp>
     </p:spTree>
+    <p:extLst>
+      <p:ext uri="{BB962C8B-B14F-4D97-AF65-F5344CB8AC3E}">
+        <p14:creationId xmlns:p14="http://schemas.microsoft.com/office/powerpoint/2010/main" val="1006954056"/>
+      </p:ext>
+    </p:extLst>
   </p:cSld>
   <p:clrMapOvr>
     <a:masterClrMapping/>
@@ -3369,11 +3663,13 @@
         </p:nvSpPr>
         <p:spPr/>
         <p:txBody>
-          <a:bodyPr/>
-          <a:lstStyle/>
-          <a:p>
-            <a:r>
-              <a:t>Building the Conversational Engine</a:t>
+          <a:bodyPr>
+            <a:normAutofit fontScale="90000"/>
+          </a:bodyPr>
+          <a:lstStyle/>
+          <a:p>
+            <a:r>
+              <a:t>Data Pipeline: From Raw Text to Structured Input</a:t>
             </a:r>
           </a:p>
         </p:txBody>
@@ -3394,32 +3690,32 @@
           <a:lstStyle/>
           <a:p>
             <a:r>
-              <a:t>• Model used: Fine-tuned Transformer (DialoGPT or GPT-2)</a:t>
-            </a:r>
-          </a:p>
-          <a:p>
-            <a:r>
-              <a:t>• Frameworks: Hugging Face Transformers, PyTorch</a:t>
-            </a:r>
-          </a:p>
-          <a:p>
-            <a:r>
-              <a:t>• Training process:</a:t>
-            </a:r>
-          </a:p>
-          <a:p>
-            <a:r>
-              <a:t>  - Tokenization</a:t>
-            </a:r>
-          </a:p>
-          <a:p>
-            <a:r>
-              <a:t>  - Dataset creation</a:t>
-            </a:r>
-          </a:p>
-          <a:p>
-            <a:r>
-              <a:t>  - Fine-tuning on conversational data</a:t>
+              <a:t>• Source: Cornell Movie Dialogs Corpus</a:t>
+            </a:r>
+          </a:p>
+          <a:p>
+            <a:r>
+              <a:t>• Steps:</a:t>
+            </a:r>
+          </a:p>
+          <a:p>
+            <a:r>
+              <a:t>  - Data extraction and parsing (dialogs, character mappings)</a:t>
+            </a:r>
+          </a:p>
+          <a:p>
+            <a:r>
+              <a:t>  - Cleaning (removing noise, normalizing text)</a:t>
+            </a:r>
+          </a:p>
+          <a:p>
+            <a:r>
+              <a:t>  - Tokenization and formatting into input/output pairs</a:t>
+            </a:r>
+          </a:p>
+          <a:p>
+            <a:r>
+              <a:t>• Tools: Python, pandas, regex</a:t>
             </a:r>
           </a:p>
         </p:txBody>
@@ -3465,7 +3761,7 @@
           <a:lstStyle/>
           <a:p>
             <a:r>
-              <a:t>How Well Does It Talk?</a:t>
+              <a:t>Building the Conversational Engine</a:t>
             </a:r>
           </a:p>
         </p:txBody>
@@ -3486,32 +3782,32 @@
           <a:lstStyle/>
           <a:p>
             <a:r>
-              <a:t>• Metrics considered:</a:t>
-            </a:r>
-          </a:p>
-          <a:p>
-            <a:r>
-              <a:t>  - Perplexity</a:t>
-            </a:r>
-          </a:p>
-          <a:p>
-            <a:r>
-              <a:t>  - Manual evaluation (contextual relevance, fluency)</a:t>
-            </a:r>
-          </a:p>
-          <a:p>
-            <a:r>
-              <a:t>• Challenges:</a:t>
-            </a:r>
-          </a:p>
-          <a:p>
-            <a:r>
-              <a:t>  - Maintaining context</a:t>
-            </a:r>
-          </a:p>
-          <a:p>
-            <a:r>
-              <a:t>  - Avoiding repetitive or inappropriate responses</a:t>
+              <a:t>• Model used: Fine-tuned Transformer (DialoGPT or GPT-2)</a:t>
+            </a:r>
+          </a:p>
+          <a:p>
+            <a:r>
+              <a:t>• Frameworks: Hugging Face Transformers, PyTorch</a:t>
+            </a:r>
+          </a:p>
+          <a:p>
+            <a:r>
+              <a:t>• Training process:</a:t>
+            </a:r>
+          </a:p>
+          <a:p>
+            <a:r>
+              <a:t>  - Tokenization</a:t>
+            </a:r>
+          </a:p>
+          <a:p>
+            <a:r>
+              <a:t>  - Dataset creation</a:t>
+            </a:r>
+          </a:p>
+          <a:p>
+            <a:r>
+              <a:t>  - Fine-tuning on conversational data</a:t>
             </a:r>
           </a:p>
         </p:txBody>
@@ -3557,7 +3853,7 @@
           <a:lstStyle/>
           <a:p>
             <a:r>
-              <a:t>Bringing the Chatbot to Life</a:t>
+              <a:t>How Well Does It Talk?</a:t>
             </a:r>
           </a:p>
         </p:txBody>
@@ -3578,27 +3874,32 @@
           <a:lstStyle/>
           <a:p>
             <a:r>
-              <a:t>• Tool: Streamlit for UI</a:t>
-            </a:r>
-          </a:p>
-          <a:p>
-            <a:r>
-              <a:t>• Features:</a:t>
-            </a:r>
-          </a:p>
-          <a:p>
-            <a:r>
-              <a:t>  - Simple, interactive interface</a:t>
-            </a:r>
-          </a:p>
-          <a:p>
-            <a:r>
-              <a:t>  - Real-time response generation</a:t>
-            </a:r>
-          </a:p>
-          <a:p>
-            <a:r>
-              <a:t>• Hosted locally or via platforms like Streamlit Cloud</a:t>
+              <a:t>• Metrics considered:</a:t>
+            </a:r>
+          </a:p>
+          <a:p>
+            <a:r>
+              <a:t>  - Perplexity</a:t>
+            </a:r>
+          </a:p>
+          <a:p>
+            <a:r>
+              <a:t>  - Manual evaluation (contextual relevance, fluency)</a:t>
+            </a:r>
+          </a:p>
+          <a:p>
+            <a:r>
+              <a:t>• Challenges:</a:t>
+            </a:r>
+          </a:p>
+          <a:p>
+            <a:r>
+              <a:t>  - Maintaining context</a:t>
+            </a:r>
+          </a:p>
+          <a:p>
+            <a:r>
+              <a:t>  - Avoiding repetitive or inappropriate responses</a:t>
             </a:r>
           </a:p>
         </p:txBody>
@@ -3644,6 +3945,95 @@
           <a:lstStyle/>
           <a:p>
             <a:r>
+              <a:t>Bringing the Chatbot to Life</a:t>
+            </a:r>
+          </a:p>
+        </p:txBody>
+      </p:sp>
+      <p:sp>
+        <p:nvSpPr>
+          <p:cNvPr id="3" name="Content Placeholder 2"/>
+          <p:cNvSpPr>
+            <a:spLocks noGrp="1"/>
+          </p:cNvSpPr>
+          <p:nvPr>
+            <p:ph idx="1"/>
+          </p:nvPr>
+        </p:nvSpPr>
+        <p:spPr/>
+        <p:txBody>
+          <a:bodyPr/>
+          <a:lstStyle/>
+          <a:p>
+            <a:r>
+              <a:t>• Tool: Streamlit for UI</a:t>
+            </a:r>
+          </a:p>
+          <a:p>
+            <a:r>
+              <a:t>• Features:</a:t>
+            </a:r>
+          </a:p>
+          <a:p>
+            <a:r>
+              <a:t>  - Simple, interactive interface</a:t>
+            </a:r>
+          </a:p>
+          <a:p>
+            <a:r>
+              <a:t>  - Real-time response generation</a:t>
+            </a:r>
+          </a:p>
+          <a:p>
+            <a:r>
+              <a:t>• Hosted locally or via platforms like Streamlit Cloud</a:t>
+            </a:r>
+          </a:p>
+        </p:txBody>
+      </p:sp>
+    </p:spTree>
+  </p:cSld>
+  <p:clrMapOvr>
+    <a:masterClrMapping/>
+  </p:clrMapOvr>
+</p:sld>
+</file>
+
+<file path=ppt/slides/slide8.xml><?xml version="1.0" encoding="utf-8"?>
+<p:sld xmlns:a="http://schemas.openxmlformats.org/drawingml/2006/main" xmlns:r="http://schemas.openxmlformats.org/officeDocument/2006/relationships" xmlns:p="http://schemas.openxmlformats.org/presentationml/2006/main">
+  <p:cSld>
+    <p:spTree>
+      <p:nvGrpSpPr>
+        <p:cNvPr id="1" name=""/>
+        <p:cNvGrpSpPr/>
+        <p:nvPr/>
+      </p:nvGrpSpPr>
+      <p:grpSpPr>
+        <a:xfrm>
+          <a:off x="0" y="0"/>
+          <a:ext cx="0" cy="0"/>
+          <a:chOff x="0" y="0"/>
+          <a:chExt cx="0" cy="0"/>
+        </a:xfrm>
+      </p:grpSpPr>
+      <p:sp>
+        <p:nvSpPr>
+          <p:cNvPr id="2" name="Title 1"/>
+          <p:cNvSpPr>
+            <a:spLocks noGrp="1"/>
+          </p:cNvSpPr>
+          <p:nvPr>
+            <p:ph type="title"/>
+          </p:nvPr>
+        </p:nvSpPr>
+        <p:spPr/>
+        <p:txBody>
+          <a:bodyPr>
+            <a:normAutofit fontScale="90000"/>
+          </a:bodyPr>
+          <a:lstStyle/>
+          <a:p>
+            <a:r>
               <a:t>Key Takeaways and Future Improvements</a:t>
             </a:r>
           </a:p>
@@ -3661,7 +4051,9 @@
         </p:nvSpPr>
         <p:spPr/>
         <p:txBody>
-          <a:bodyPr/>
+          <a:bodyPr>
+            <a:normAutofit fontScale="92500"/>
+          </a:bodyPr>
           <a:lstStyle/>
           <a:p>
             <a:r>
